--- a/presentationInPoint.pptx
+++ b/presentationInPoint.pptx
@@ -6,15 +6,15 @@
   </p:sldMasterIdLst>
   <p:sldIdLst>
     <p:sldId id="256" r:id="rId2"/>
-    <p:sldId id="257" r:id="rId3"/>
-    <p:sldId id="258" r:id="rId4"/>
-    <p:sldId id="259" r:id="rId5"/>
-    <p:sldId id="260" r:id="rId6"/>
-    <p:sldId id="261" r:id="rId7"/>
-    <p:sldId id="265" r:id="rId8"/>
-    <p:sldId id="262" r:id="rId9"/>
-    <p:sldId id="263" r:id="rId10"/>
-    <p:sldId id="264" r:id="rId11"/>
+    <p:sldId id="259" r:id="rId3"/>
+    <p:sldId id="260" r:id="rId4"/>
+    <p:sldId id="258" r:id="rId5"/>
+    <p:sldId id="261" r:id="rId6"/>
+    <p:sldId id="265" r:id="rId7"/>
+    <p:sldId id="262" r:id="rId8"/>
+    <p:sldId id="263" r:id="rId9"/>
+    <p:sldId id="264" r:id="rId10"/>
+    <p:sldId id="266" r:id="rId11"/>
   </p:sldIdLst>
   <p:sldSz cx="12192000" cy="6858000"/>
   <p:notesSz cx="6858000" cy="9144000"/>
@@ -113,6 +113,11 @@
       </a:defRPr>
     </a:lvl9pPr>
   </p:defaultTextStyle>
+  <p:extLst>
+    <p:ext uri="{EFAFB233-063F-42B5-8137-9DF3F51BA10A}">
+      <p15:sldGuideLst xmlns:p15="http://schemas.microsoft.com/office/powerpoint/2012/main"/>
+    </p:ext>
+  </p:extLst>
 </p:presentation>
 </file>
 
@@ -302,7 +307,7 @@
           <a:p>
             <a:fld id="{4AAD347D-5ACD-4C99-B74B-A9C85AD731AF}" type="datetimeFigureOut">
               <a:rPr lang="en-US" dirty="0"/>
-              <a:t>4/18/2016</a:t>
+              <a:t>4/19/2016</a:t>
             </a:fld>
             <a:endParaRPr lang="en-US" dirty="0"/>
           </a:p>
@@ -572,7 +577,7 @@
           <a:p>
             <a:fld id="{4509A250-FF31-4206-8172-F9D3106AACB1}" type="datetimeFigureOut">
               <a:rPr lang="en-US" dirty="0"/>
-              <a:t>4/18/2016</a:t>
+              <a:t>4/19/2016</a:t>
             </a:fld>
             <a:endParaRPr lang="en-US" dirty="0"/>
           </a:p>
@@ -761,7 +766,7 @@
           <a:p>
             <a:fld id="{4509A250-FF31-4206-8172-F9D3106AACB1}" type="datetimeFigureOut">
               <a:rPr lang="en-US" dirty="0"/>
-              <a:t>4/18/2016</a:t>
+              <a:t>4/19/2016</a:t>
             </a:fld>
             <a:endParaRPr lang="en-US" dirty="0"/>
           </a:p>
@@ -1029,7 +1034,7 @@
           <a:p>
             <a:fld id="{4509A250-FF31-4206-8172-F9D3106AACB1}" type="datetimeFigureOut">
               <a:rPr lang="en-US" dirty="0"/>
-              <a:t>4/18/2016</a:t>
+              <a:t>4/19/2016</a:t>
             </a:fld>
             <a:endParaRPr lang="en-US" dirty="0"/>
           </a:p>
@@ -1365,7 +1370,7 @@
           <a:p>
             <a:fld id="{4509A250-FF31-4206-8172-F9D3106AACB1}" type="datetimeFigureOut">
               <a:rPr lang="en-US" dirty="0"/>
-              <a:t>4/18/2016</a:t>
+              <a:t>4/19/2016</a:t>
             </a:fld>
             <a:endParaRPr lang="en-US" dirty="0"/>
           </a:p>
@@ -1983,7 +1988,7 @@
           <a:p>
             <a:fld id="{4509A250-FF31-4206-8172-F9D3106AACB1}" type="datetimeFigureOut">
               <a:rPr lang="en-US" dirty="0"/>
-              <a:t>4/18/2016</a:t>
+              <a:t>4/19/2016</a:t>
             </a:fld>
             <a:endParaRPr lang="en-US" dirty="0"/>
           </a:p>
@@ -2838,7 +2843,7 @@
           <a:p>
             <a:fld id="{4509A250-FF31-4206-8172-F9D3106AACB1}" type="datetimeFigureOut">
               <a:rPr lang="en-US" dirty="0"/>
-              <a:t>4/18/2016</a:t>
+              <a:t>4/19/2016</a:t>
             </a:fld>
             <a:endParaRPr lang="en-US" dirty="0"/>
           </a:p>
@@ -3003,7 +3008,7 @@
           <a:p>
             <a:fld id="{4509A250-FF31-4206-8172-F9D3106AACB1}" type="datetimeFigureOut">
               <a:rPr lang="en-US" dirty="0"/>
-              <a:t>4/18/2016</a:t>
+              <a:t>4/19/2016</a:t>
             </a:fld>
             <a:endParaRPr lang="en-US" dirty="0"/>
           </a:p>
@@ -3178,7 +3183,7 @@
           <a:p>
             <a:fld id="{4509A250-FF31-4206-8172-F9D3106AACB1}" type="datetimeFigureOut">
               <a:rPr lang="en-US" dirty="0"/>
-              <a:t>4/18/2016</a:t>
+              <a:t>4/19/2016</a:t>
             </a:fld>
             <a:endParaRPr lang="en-US" dirty="0"/>
           </a:p>
@@ -3343,7 +3348,7 @@
           <a:p>
             <a:fld id="{4509A250-FF31-4206-8172-F9D3106AACB1}" type="datetimeFigureOut">
               <a:rPr lang="en-US" dirty="0"/>
-              <a:t>4/18/2016</a:t>
+              <a:t>4/19/2016</a:t>
             </a:fld>
             <a:endParaRPr lang="en-US" dirty="0"/>
           </a:p>
@@ -3585,7 +3590,7 @@
           <a:p>
             <a:fld id="{9796027F-7875-4030-9381-8BD8C4F21935}" type="datetimeFigureOut">
               <a:rPr lang="en-US" dirty="0"/>
-              <a:t>4/18/2016</a:t>
+              <a:t>4/19/2016</a:t>
             </a:fld>
             <a:endParaRPr lang="en-US" dirty="0"/>
           </a:p>
@@ -3872,7 +3877,7 @@
           <a:p>
             <a:fld id="{9796027F-7875-4030-9381-8BD8C4F21935}" type="datetimeFigureOut">
               <a:rPr lang="en-US" dirty="0"/>
-              <a:t>4/18/2016</a:t>
+              <a:t>4/19/2016</a:t>
             </a:fld>
             <a:endParaRPr lang="en-US" dirty="0"/>
           </a:p>
@@ -4311,7 +4316,7 @@
           <a:p>
             <a:fld id="{9796027F-7875-4030-9381-8BD8C4F21935}" type="datetimeFigureOut">
               <a:rPr lang="en-US" dirty="0"/>
-              <a:t>4/18/2016</a:t>
+              <a:t>4/19/2016</a:t>
             </a:fld>
             <a:endParaRPr lang="en-US" dirty="0"/>
           </a:p>
@@ -4424,7 +4429,7 @@
           <a:p>
             <a:fld id="{4509A250-FF31-4206-8172-F9D3106AACB1}" type="datetimeFigureOut">
               <a:rPr lang="en-US" dirty="0"/>
-              <a:t>4/18/2016</a:t>
+              <a:t>4/19/2016</a:t>
             </a:fld>
             <a:endParaRPr lang="en-US" dirty="0"/>
           </a:p>
@@ -4514,7 +4519,7 @@
           <a:p>
             <a:fld id="{4509A250-FF31-4206-8172-F9D3106AACB1}" type="datetimeFigureOut">
               <a:rPr lang="en-US" dirty="0"/>
-              <a:t>4/18/2016</a:t>
+              <a:t>4/19/2016</a:t>
             </a:fld>
             <a:endParaRPr lang="en-US" dirty="0"/>
           </a:p>
@@ -4788,7 +4793,7 @@
           <a:p>
             <a:fld id="{4509A250-FF31-4206-8172-F9D3106AACB1}" type="datetimeFigureOut">
               <a:rPr lang="en-US" dirty="0"/>
-              <a:t>4/18/2016</a:t>
+              <a:t>4/19/2016</a:t>
             </a:fld>
             <a:endParaRPr lang="en-US" dirty="0"/>
           </a:p>
@@ -5058,7 +5063,7 @@
           <a:p>
             <a:fld id="{4509A250-FF31-4206-8172-F9D3106AACB1}" type="datetimeFigureOut">
               <a:rPr lang="en-US" dirty="0"/>
-              <a:t>4/18/2016</a:t>
+              <a:t>4/19/2016</a:t>
             </a:fld>
             <a:endParaRPr lang="en-US" dirty="0"/>
           </a:p>
@@ -5482,7 +5487,7 @@
           <a:p>
             <a:fld id="{4AAD347D-5ACD-4C99-B74B-A9C85AD731AF}" type="datetimeFigureOut">
               <a:rPr lang="en-US" dirty="0"/>
-              <a:t>4/18/2016</a:t>
+              <a:t>4/19/2016</a:t>
             </a:fld>
             <a:endParaRPr lang="en-US" dirty="0"/>
           </a:p>
@@ -6019,7 +6024,7 @@
         <p:spPr>
           <a:xfrm>
             <a:off x="1309334" y="319644"/>
-            <a:ext cx="8825658" cy="3329581"/>
+            <a:ext cx="8825658" cy="1770413"/>
           </a:xfrm>
         </p:spPr>
         <p:txBody>
@@ -6059,14 +6064,85 @@
             <p:ph type="subTitle" idx="1"/>
           </p:nvPr>
         </p:nvSpPr>
-        <p:spPr/>
-        <p:txBody>
-          <a:bodyPr/>
+        <p:spPr>
+          <a:xfrm>
+            <a:off x="1309334" y="2402315"/>
+            <a:ext cx="8825658" cy="3867856"/>
+          </a:xfrm>
+        </p:spPr>
+        <p:txBody>
+          <a:bodyPr>
+            <a:normAutofit/>
+          </a:bodyPr>
           <a:lstStyle/>
           <a:p>
-            <a:r>
-              <a:rPr lang="uk-UA" dirty="0"/>
-              <a:t>Група №3</a:t>
+            <a:endParaRPr lang="uk-UA" dirty="0" smtClean="0">
+              <a:solidFill>
+                <a:srgbClr val="FFFF00"/>
+              </a:solidFill>
+            </a:endParaRPr>
+          </a:p>
+          <a:p>
+            <a:r>
+              <a:rPr lang="uk-UA" b="1" dirty="0">
+                <a:solidFill>
+                  <a:srgbClr val="FFFF00"/>
+                </a:solidFill>
+              </a:rPr>
+              <a:t>Юра Ничик</a:t>
+            </a:r>
+          </a:p>
+          <a:p>
+            <a:r>
+              <a:rPr lang="uk-UA" b="1" dirty="0">
+                <a:solidFill>
+                  <a:srgbClr val="FFFF00"/>
+                </a:solidFill>
+              </a:rPr>
+              <a:t>Юра Харченко</a:t>
+            </a:r>
+          </a:p>
+          <a:p>
+            <a:r>
+              <a:rPr lang="uk-UA" b="1" dirty="0">
+                <a:solidFill>
+                  <a:srgbClr val="FFFF00"/>
+                </a:solidFill>
+              </a:rPr>
+              <a:t>Сергій Перев’язко</a:t>
+            </a:r>
+          </a:p>
+          <a:p>
+            <a:endParaRPr lang="uk-UA" dirty="0"/>
+          </a:p>
+          <a:p>
+            <a:endParaRPr lang="uk-UA" dirty="0" smtClean="0"/>
+          </a:p>
+          <a:p>
+            <a:endParaRPr lang="uk-UA" dirty="0" smtClean="0"/>
+          </a:p>
+          <a:p>
+            <a:r>
+              <a:rPr lang="uk-UA" b="1" i="1" dirty="0" smtClean="0">
+                <a:solidFill>
+                  <a:schemeClr val="bg2">
+                    <a:lumMod val="60000"/>
+                    <a:lumOff val="40000"/>
+                  </a:schemeClr>
+                </a:solidFill>
+              </a:rPr>
+              <a:t>Група </a:t>
+            </a:r>
+            <a:r>
+              <a:rPr lang="uk-UA" b="1" i="1" dirty="0">
+                <a:solidFill>
+                  <a:schemeClr val="bg2">
+                    <a:lumMod val="60000"/>
+                    <a:lumOff val="40000"/>
+                  </a:schemeClr>
+                </a:solidFill>
+              </a:rPr>
+              <a:t>№3</a:t>
             </a:r>
           </a:p>
         </p:txBody>
@@ -6110,195 +6186,77 @@
       </p:grpSpPr>
       <p:sp>
         <p:nvSpPr>
-          <p:cNvPr id="2" name="Заголовок 1"/>
-          <p:cNvSpPr>
-            <a:spLocks noGrp="1"/>
-          </p:cNvSpPr>
-          <p:nvPr>
-            <p:ph type="title"/>
-          </p:nvPr>
-        </p:nvSpPr>
-        <p:spPr/>
-        <p:txBody>
-          <a:bodyPr/>
+          <p:cNvPr id="3" name="Объект 2"/>
+          <p:cNvSpPr>
+            <a:spLocks noGrp="1"/>
+          </p:cNvSpPr>
+          <p:nvPr>
+            <p:ph idx="1"/>
+          </p:nvPr>
+        </p:nvSpPr>
+        <p:spPr>
+          <a:xfrm>
+            <a:off x="1150814" y="283496"/>
+            <a:ext cx="8946541" cy="975290"/>
+          </a:xfrm>
+        </p:spPr>
+        <p:txBody>
+          <a:bodyPr>
+            <a:normAutofit/>
+          </a:bodyPr>
           <a:lstStyle/>
           <a:p>
-            <a:r>
-              <a:rPr lang="uk-UA" dirty="0"/>
-              <a:t>Інформаційні ресурси</a:t>
-            </a:r>
-            <a:br>
-              <a:rPr lang="uk-UA" dirty="0"/>
-            </a:br>
-            <a:endParaRPr lang="uk-UA" dirty="0"/>
-          </a:p>
-        </p:txBody>
-      </p:sp>
-      <p:sp>
-        <p:nvSpPr>
-          <p:cNvPr id="3" name="Объект 2"/>
-          <p:cNvSpPr>
-            <a:spLocks noGrp="1"/>
-          </p:cNvSpPr>
-          <p:nvPr>
-            <p:ph idx="1"/>
-          </p:nvPr>
-        </p:nvSpPr>
-        <p:spPr/>
-        <p:txBody>
-          <a:bodyPr/>
-          <a:lstStyle/>
-          <a:p>
-            <a:r>
-              <a:rPr lang="en-US" b="1" dirty="0"/>
-              <a:t>Thinking in Java (4th Edition) </a:t>
-            </a:r>
-            <a:r>
-              <a:rPr lang="en-US" dirty="0"/>
-              <a:t>4th Edition</a:t>
-            </a:r>
-            <a:r>
-              <a:rPr lang="uk-UA" dirty="0"/>
-              <a:t> </a:t>
-            </a:r>
-            <a:r>
-              <a:rPr lang="en-US" dirty="0"/>
-              <a:t>by </a:t>
-            </a:r>
-            <a:r>
-              <a:rPr lang="en-US" u="sng" dirty="0">
-                <a:hlinkClick r:id="rId2"/>
+            <a:pPr marL="0" indent="0" algn="ctr">
+              <a:buNone/>
+            </a:pPr>
+            <a:r>
+              <a:rPr lang="uk-UA" sz="4800" b="1" i="1" dirty="0" smtClean="0">
+                <a:solidFill>
+                  <a:schemeClr val="tx2"/>
+                </a:solidFill>
               </a:rPr>
-              <a:t>Bruce </a:t>
-            </a:r>
-            <a:r>
-              <a:rPr lang="en-US" u="sng" dirty="0" err="1">
-                <a:hlinkClick r:id="rId2"/>
-              </a:rPr>
-              <a:t>Eckel</a:t>
-            </a:r>
-            <a:endParaRPr lang="en-US" b="1" dirty="0"/>
-          </a:p>
-          <a:p>
-            <a:pPr lvl="0"/>
-            <a:r>
-              <a:rPr lang="uk-UA" dirty="0" smtClean="0">
-                <a:hlinkClick r:id="rId3"/>
-              </a:rPr>
-              <a:t>U.S</a:t>
-            </a:r>
-            <a:r>
-              <a:rPr lang="uk-UA" dirty="0">
-                <a:hlinkClick r:id="rId3"/>
-              </a:rPr>
-              <a:t>. </a:t>
-            </a:r>
-            <a:r>
-              <a:rPr lang="uk-UA" dirty="0" err="1">
-                <a:hlinkClick r:id="rId3"/>
-              </a:rPr>
-              <a:t>Patent</a:t>
-            </a:r>
-            <a:r>
-              <a:rPr lang="uk-UA" dirty="0">
-                <a:hlinkClick r:id="rId3"/>
-              </a:rPr>
-              <a:t> 2 950 048</a:t>
-            </a:r>
-            <a:r>
-              <a:rPr lang="uk-UA" dirty="0"/>
-              <a:t> </a:t>
-            </a:r>
-            <a:r>
-              <a:rPr lang="uk-UA" i="1" dirty="0" err="1"/>
-              <a:t>Computer</a:t>
-            </a:r>
-            <a:r>
-              <a:rPr lang="uk-UA" i="1" dirty="0"/>
-              <a:t> </a:t>
-            </a:r>
-            <a:r>
-              <a:rPr lang="uk-UA" i="1" dirty="0" err="1"/>
-              <a:t>for</a:t>
-            </a:r>
-            <a:r>
-              <a:rPr lang="uk-UA" i="1" dirty="0"/>
-              <a:t> </a:t>
-            </a:r>
-            <a:r>
-              <a:rPr lang="uk-UA" i="1" dirty="0" err="1"/>
-              <a:t>Verifying</a:t>
-            </a:r>
-            <a:r>
-              <a:rPr lang="uk-UA" i="1" dirty="0"/>
-              <a:t> </a:t>
-            </a:r>
-            <a:r>
-              <a:rPr lang="uk-UA" i="1" dirty="0" err="1"/>
-              <a:t>Numbers</a:t>
-            </a:r>
-            <a:r>
-              <a:rPr lang="uk-UA" dirty="0"/>
-              <a:t>, </a:t>
-            </a:r>
-            <a:r>
-              <a:rPr lang="uk-UA" dirty="0" err="1"/>
-              <a:t>Hans</a:t>
-            </a:r>
-            <a:r>
-              <a:rPr lang="uk-UA" dirty="0"/>
-              <a:t> P. </a:t>
-            </a:r>
-            <a:r>
-              <a:rPr lang="uk-UA" dirty="0" err="1"/>
-              <a:t>Luhn</a:t>
-            </a:r>
-            <a:r>
-              <a:rPr lang="uk-UA" dirty="0"/>
-              <a:t>, </a:t>
-            </a:r>
-            <a:r>
-              <a:rPr lang="uk-UA" dirty="0" err="1"/>
-              <a:t>August</a:t>
-            </a:r>
-            <a:r>
-              <a:rPr lang="uk-UA" dirty="0"/>
-              <a:t> 23, 1960.</a:t>
-            </a:r>
-          </a:p>
-          <a:p>
-            <a:r>
-              <a:rPr lang="en-US" dirty="0">
-                <a:hlinkClick r:id="rId4"/>
-              </a:rPr>
-              <a:t>https://</a:t>
-            </a:r>
-            <a:r>
-              <a:rPr lang="en-US" dirty="0" smtClean="0">
-                <a:hlinkClick r:id="rId4"/>
-              </a:rPr>
-              <a:t>en.wikipedia.org/wiki/Luhn_algorithm</a:t>
-            </a:r>
-            <a:endParaRPr lang="uk-UA" dirty="0" smtClean="0"/>
-          </a:p>
-          <a:p>
-            <a:pPr marL="0" indent="0">
+              <a:t>Дякуємо за увагу!</a:t>
+            </a:r>
+          </a:p>
+          <a:p>
+            <a:pPr marL="0" indent="0" algn="ctr">
               <a:buNone/>
             </a:pPr>
-            <a:endParaRPr lang="uk-UA" dirty="0"/>
+            <a:endParaRPr lang="uk-UA" sz="4800" b="1" i="1" dirty="0">
+              <a:solidFill>
+                <a:schemeClr val="tx2"/>
+              </a:solidFill>
+            </a:endParaRPr>
+          </a:p>
+          <a:p>
+            <a:pPr marL="0" indent="0" algn="ctr">
+              <a:buNone/>
+            </a:pPr>
+            <a:endParaRPr lang="uk-UA" sz="4800" b="1" i="1" dirty="0">
+              <a:solidFill>
+                <a:schemeClr val="tx2"/>
+              </a:solidFill>
+            </a:endParaRPr>
           </a:p>
         </p:txBody>
       </p:sp>
     </p:spTree>
     <p:extLst>
       <p:ext uri="{BB962C8B-B14F-4D97-AF65-F5344CB8AC3E}">
-        <p14:creationId xmlns:p14="http://schemas.microsoft.com/office/powerpoint/2010/main" val="1939971172"/>
+        <p14:creationId xmlns:p14="http://schemas.microsoft.com/office/powerpoint/2010/main" val="142940379"/>
       </p:ext>
     </p:extLst>
   </p:cSld>
   <p:clrMapOvr>
     <a:masterClrMapping/>
   </p:clrMapOvr>
+  <p:timing>
+    <p:tnLst>
+      <p:par>
+        <p:cTn id="1" dur="indefinite" restart="never" nodeType="tmRoot"/>
+      </p:par>
+    </p:tnLst>
+  </p:timing>
 </p:sld>
 </file>
 
@@ -6336,7 +6294,18 @@
           <a:p>
             <a:r>
               <a:rPr lang="uk-UA" dirty="0"/>
-              <a:t>Група №3</a:t>
+              <a:t>Даний алгоритм широко використовується у наступних галузях</a:t>
+            </a:r>
+            <a:r>
+              <a:rPr lang="uk-UA" dirty="0" smtClean="0"/>
+              <a:t>:</a:t>
+            </a:r>
+            <a:br>
+              <a:rPr lang="uk-UA" dirty="0" smtClean="0"/>
+            </a:br>
+            <a:r>
+              <a:rPr lang="uk-UA" dirty="0"/>
+              <a:t/>
             </a:r>
             <a:br>
               <a:rPr lang="uk-UA" dirty="0"/>
@@ -6355,39 +6324,68 @@
             <p:ph idx="1"/>
           </p:nvPr>
         </p:nvSpPr>
-        <p:spPr/>
+        <p:spPr>
+          <a:xfrm>
+            <a:off x="875201" y="3181074"/>
+            <a:ext cx="8946541" cy="4195481"/>
+          </a:xfrm>
+        </p:spPr>
         <p:txBody>
           <a:bodyPr/>
           <a:lstStyle/>
           <a:p>
+            <a:pPr lvl="0"/>
+            <a:r>
+              <a:rPr lang="uk-UA" dirty="0" smtClean="0"/>
+              <a:t>Номери </a:t>
+            </a:r>
+            <a:r>
+              <a:rPr lang="uk-UA" dirty="0"/>
+              <a:t>усіх </a:t>
+            </a:r>
+            <a:r>
+              <a:rPr lang="uk-UA" dirty="0">
+                <a:hlinkClick r:id="rId2" tooltip="Банковская платёжная карта"/>
+              </a:rPr>
+              <a:t>банківских карт</a:t>
+            </a:r>
             <a:endParaRPr lang="uk-UA" dirty="0"/>
           </a:p>
           <a:p>
+            <a:pPr lvl="0"/>
             <a:r>
               <a:rPr lang="uk-UA" dirty="0"/>
-              <a:t>Сергія </a:t>
+              <a:t>Номери дисконтних карт</a:t>
+            </a:r>
+          </a:p>
+          <a:p>
+            <a:pPr lvl="0"/>
+            <a:r>
+              <a:rPr lang="uk-UA" dirty="0"/>
+              <a:t>Коди </a:t>
             </a:r>
             <a:r>
               <a:rPr lang="uk-UA" dirty="0" smtClean="0"/>
-              <a:t>Перев’язко</a:t>
-            </a:r>
-          </a:p>
-          <a:p>
+              <a:t>соціального </a:t>
+            </a:r>
+            <a:r>
+              <a:rPr lang="uk-UA" dirty="0"/>
+              <a:t>страхування</a:t>
+            </a:r>
+          </a:p>
+          <a:p>
+            <a:pPr lvl="0"/>
+            <a:r>
+              <a:rPr lang="uk-UA" dirty="0" smtClean="0">
+                <a:hlinkClick r:id="rId3" tooltip="IMEI"/>
+              </a:rPr>
+              <a:t>IMEI</a:t>
+            </a:r>
             <a:r>
               <a:rPr lang="uk-UA" dirty="0" smtClean="0"/>
-              <a:t>Юра </a:t>
-            </a:r>
-            <a:r>
-              <a:rPr lang="uk-UA" dirty="0" err="1" smtClean="0"/>
-              <a:t>Ничик</a:t>
-            </a:r>
-            <a:endParaRPr lang="uk-UA" dirty="0" smtClean="0"/>
-          </a:p>
-          <a:p>
-            <a:r>
-              <a:rPr lang="uk-UA" dirty="0" smtClean="0"/>
-              <a:t>Юра Харченко</a:t>
-            </a:r>
+              <a:t>-коди.</a:t>
+            </a:r>
+            <a:endParaRPr lang="uk-UA" dirty="0"/>
           </a:p>
           <a:p>
             <a:endParaRPr lang="uk-UA" dirty="0"/>
@@ -6397,7 +6395,7 @@
     </p:spTree>
     <p:extLst>
       <p:ext uri="{BB962C8B-B14F-4D97-AF65-F5344CB8AC3E}">
-        <p14:creationId xmlns:p14="http://schemas.microsoft.com/office/powerpoint/2010/main" val="1693304255"/>
+        <p14:creationId xmlns:p14="http://schemas.microsoft.com/office/powerpoint/2010/main" val="3810008316"/>
       </p:ext>
     </p:extLst>
   </p:cSld>
@@ -6433,12 +6431,12 @@
       </p:grpSpPr>
       <p:sp>
         <p:nvSpPr>
-          <p:cNvPr id="2" name="Заголовок 1"/>
-          <p:cNvSpPr>
-            <a:spLocks noGrp="1"/>
-          </p:cNvSpPr>
-          <p:nvPr>
-            <p:ph type="title"/>
+          <p:cNvPr id="3" name="Объект 2"/>
+          <p:cNvSpPr>
+            <a:spLocks noGrp="1"/>
+          </p:cNvSpPr>
+          <p:nvPr>
+            <p:ph idx="1"/>
           </p:nvPr>
         </p:nvSpPr>
         <p:spPr/>
@@ -6446,56 +6444,50 @@
           <a:bodyPr/>
           <a:lstStyle/>
           <a:p>
+            <a:pPr marL="0" indent="0">
+              <a:buNone/>
+            </a:pPr>
             <a:r>
               <a:rPr lang="uk-UA" dirty="0" smtClean="0"/>
-              <a:t>Концепція</a:t>
-            </a:r>
-            <a:endParaRPr lang="uk-UA" dirty="0"/>
-          </a:p>
-        </p:txBody>
-      </p:sp>
-      <p:sp>
-        <p:nvSpPr>
-          <p:cNvPr id="3" name="Объект 2"/>
-          <p:cNvSpPr>
-            <a:spLocks noGrp="1"/>
-          </p:cNvSpPr>
-          <p:nvPr>
-            <p:ph idx="1"/>
-          </p:nvPr>
-        </p:nvSpPr>
-        <p:spPr/>
-        <p:txBody>
-          <a:bodyPr/>
-          <a:lstStyle/>
-          <a:p>
+              <a:t>	Алгоритм </a:t>
+            </a:r>
             <a:r>
               <a:rPr lang="uk-UA" dirty="0"/>
-              <a:t>Концепція наближена до реальної ситуації, а саме, користувач виконує введення номера платіжної картки з клавіатури(в консоль), та отримує відповідь у вигляді інформаційного повідомлення про коректність даних згідно алгоритму</a:t>
+              <a:t>Луна дозволяє виявити помилково введені дані</a:t>
+            </a:r>
+            <a:r>
+              <a:rPr lang="ru-RU" dirty="0"/>
+              <a:t>(</a:t>
+            </a:r>
+            <a:r>
+              <a:rPr lang="uk-UA" dirty="0"/>
+              <a:t> а саме, номер карти) які потім використовуються для різноманітних операцій. </a:t>
+            </a:r>
+            <a:endParaRPr lang="uk-UA" dirty="0" smtClean="0"/>
+          </a:p>
+          <a:p>
+            <a:pPr marL="0" indent="0">
+              <a:buNone/>
+            </a:pPr>
+            <a:r>
+              <a:rPr lang="uk-UA" dirty="0"/>
+              <a:t>	</a:t>
             </a:r>
             <a:r>
               <a:rPr lang="uk-UA" dirty="0" smtClean="0"/>
-              <a:t>.</a:t>
-            </a:r>
-          </a:p>
-          <a:p>
-            <a:endParaRPr lang="uk-UA" dirty="0"/>
-          </a:p>
-          <a:p>
-            <a:pPr marL="0" indent="0">
-              <a:buNone/>
-            </a:pPr>
-            <a:endParaRPr lang="uk-UA" dirty="0"/>
-          </a:p>
-          <a:p>
-            <a:endParaRPr lang="uk-UA" dirty="0"/>
+              <a:t>Розрахований </a:t>
+            </a:r>
+            <a:r>
+              <a:rPr lang="uk-UA" dirty="0"/>
+              <a:t>для номерів різної довжини, парної та не парної кількості цифр.</a:t>
+            </a:r>
           </a:p>
         </p:txBody>
       </p:sp>
     </p:spTree>
     <p:extLst>
       <p:ext uri="{BB962C8B-B14F-4D97-AF65-F5344CB8AC3E}">
-        <p14:creationId xmlns:p14="http://schemas.microsoft.com/office/powerpoint/2010/main" val="1634145977"/>
+        <p14:creationId xmlns:p14="http://schemas.microsoft.com/office/powerpoint/2010/main" val="3230539721"/>
       </p:ext>
     </p:extLst>
   </p:cSld>
@@ -6545,23 +6537,9 @@
           <a:lstStyle/>
           <a:p>
             <a:r>
-              <a:rPr lang="uk-UA" dirty="0"/>
-              <a:t>Даний алгоритм широко використовується у наступних галузях</a:t>
-            </a:r>
-            <a:r>
               <a:rPr lang="uk-UA" dirty="0" smtClean="0"/>
-              <a:t>:</a:t>
-            </a:r>
-            <a:br>
-              <a:rPr lang="uk-UA" dirty="0" smtClean="0"/>
-            </a:br>
-            <a:r>
-              <a:rPr lang="uk-UA" dirty="0"/>
-              <a:t/>
-            </a:r>
-            <a:br>
-              <a:rPr lang="uk-UA" dirty="0"/>
-            </a:br>
+              <a:t>Концепція</a:t>
+            </a:r>
             <a:endParaRPr lang="uk-UA" dirty="0"/>
           </a:p>
         </p:txBody>
@@ -6576,73 +6554,27 @@
             <p:ph idx="1"/>
           </p:nvPr>
         </p:nvSpPr>
-        <p:spPr>
-          <a:xfrm>
-            <a:off x="875201" y="3181074"/>
-            <a:ext cx="8946541" cy="4195481"/>
-          </a:xfrm>
-        </p:spPr>
+        <p:spPr/>
         <p:txBody>
           <a:bodyPr/>
           <a:lstStyle/>
           <a:p>
-            <a:pPr lvl="0"/>
+            <a:r>
+              <a:rPr lang="uk-UA" dirty="0"/>
+              <a:t>Концепція наближена до реальної ситуації, а саме, користувач виконує введення номера платіжної картки з клавіатури(в консоль), та отримує відповідь у вигляді інформаційного повідомлення про коректність даних згідно алгоритму</a:t>
+            </a:r>
             <a:r>
               <a:rPr lang="uk-UA" dirty="0" smtClean="0"/>
-              <a:t>Номери </a:t>
-            </a:r>
-            <a:r>
-              <a:rPr lang="uk-UA" dirty="0"/>
-              <a:t>усіх </a:t>
-            </a:r>
-            <a:r>
-              <a:rPr lang="uk-UA" dirty="0" err="1">
-                <a:hlinkClick r:id="rId2" tooltip="Банковская платёжная карта"/>
-              </a:rPr>
-              <a:t>банківских</a:t>
-            </a:r>
-            <a:r>
-              <a:rPr lang="uk-UA" dirty="0">
-                <a:hlinkClick r:id="rId2" tooltip="Банковская платёжная карта"/>
-              </a:rPr>
-              <a:t> карт</a:t>
-            </a:r>
+              <a:t>.</a:t>
+            </a:r>
+          </a:p>
+          <a:p>
             <a:endParaRPr lang="uk-UA" dirty="0"/>
           </a:p>
           <a:p>
-            <a:pPr lvl="0"/>
-            <a:r>
-              <a:rPr lang="uk-UA" dirty="0"/>
-              <a:t>Номери дисконтних карт</a:t>
-            </a:r>
-          </a:p>
-          <a:p>
-            <a:pPr lvl="0"/>
-            <a:r>
-              <a:rPr lang="uk-UA" dirty="0"/>
-              <a:t>Коди </a:t>
-            </a:r>
-            <a:r>
-              <a:rPr lang="uk-UA" dirty="0" smtClean="0"/>
-              <a:t>соціального </a:t>
-            </a:r>
-            <a:r>
-              <a:rPr lang="uk-UA" dirty="0"/>
-              <a:t>страхування</a:t>
-            </a:r>
-          </a:p>
-          <a:p>
-            <a:pPr lvl="0"/>
-            <a:r>
-              <a:rPr lang="uk-UA" dirty="0" smtClean="0">
-                <a:hlinkClick r:id="rId3" tooltip="IMEI"/>
-              </a:rPr>
-              <a:t>IMEI</a:t>
-            </a:r>
-            <a:r>
-              <a:rPr lang="uk-UA" dirty="0" smtClean="0"/>
-              <a:t>-коди.</a:t>
-            </a:r>
+            <a:pPr marL="0" indent="0">
+              <a:buNone/>
+            </a:pPr>
             <a:endParaRPr lang="uk-UA" dirty="0"/>
           </a:p>
           <a:p>
@@ -6653,7 +6585,7 @@
     </p:spTree>
     <p:extLst>
       <p:ext uri="{BB962C8B-B14F-4D97-AF65-F5344CB8AC3E}">
-        <p14:creationId xmlns:p14="http://schemas.microsoft.com/office/powerpoint/2010/main" val="3810008316"/>
+        <p14:creationId xmlns:p14="http://schemas.microsoft.com/office/powerpoint/2010/main" val="1634145977"/>
       </p:ext>
     </p:extLst>
   </p:cSld>
@@ -6689,12 +6621,12 @@
       </p:grpSpPr>
       <p:sp>
         <p:nvSpPr>
-          <p:cNvPr id="3" name="Объект 2"/>
-          <p:cNvSpPr>
-            <a:spLocks noGrp="1"/>
-          </p:cNvSpPr>
-          <p:nvPr>
-            <p:ph idx="1"/>
+          <p:cNvPr id="2" name="Заголовок 1"/>
+          <p:cNvSpPr>
+            <a:spLocks noGrp="1"/>
+          </p:cNvSpPr>
+          <p:nvPr>
+            <p:ph type="title"/>
           </p:nvPr>
         </p:nvSpPr>
         <p:spPr/>
@@ -6702,51 +6634,51 @@
           <a:bodyPr/>
           <a:lstStyle/>
           <a:p>
-            <a:pPr marL="0" indent="0">
-              <a:buNone/>
-            </a:pPr>
+            <a:r>
+              <a:rPr lang="en-US" dirty="0" smtClean="0"/>
+              <a:t>UML </a:t>
+            </a:r>
             <a:r>
               <a:rPr lang="uk-UA" dirty="0" smtClean="0"/>
-              <a:t>	Алгоритм </a:t>
-            </a:r>
-            <a:r>
-              <a:rPr lang="uk-UA" dirty="0"/>
-              <a:t>Луна дозволяє виявити помилково введені дані</a:t>
-            </a:r>
-            <a:r>
-              <a:rPr lang="ru-RU" dirty="0"/>
-              <a:t>(</a:t>
-            </a:r>
-            <a:r>
-              <a:rPr lang="uk-UA" dirty="0"/>
-              <a:t> а саме, номер карти) які потім використовуються для різноманітних операцій. </a:t>
-            </a:r>
-            <a:endParaRPr lang="uk-UA" dirty="0" smtClean="0"/>
-          </a:p>
-          <a:p>
-            <a:pPr marL="0" indent="0">
-              <a:buNone/>
-            </a:pPr>
-            <a:r>
-              <a:rPr lang="uk-UA" dirty="0"/>
-              <a:t>	</a:t>
-            </a:r>
-            <a:r>
+              <a:t>Діаграма</a:t>
+            </a:r>
+            <a:br>
               <a:rPr lang="uk-UA" dirty="0" smtClean="0"/>
-              <a:t>Розрахований </a:t>
-            </a:r>
-            <a:r>
-              <a:rPr lang="uk-UA" dirty="0"/>
-              <a:t>для номерів різної довжини, парної та не парної кількості цифр.</a:t>
-            </a:r>
+            </a:br>
             <a:endParaRPr lang="uk-UA" dirty="0"/>
           </a:p>
         </p:txBody>
       </p:sp>
+      <p:pic>
+        <p:nvPicPr>
+          <p:cNvPr id="5" name="Объект 4"/>
+          <p:cNvPicPr>
+            <a:picLocks noGrp="1" noChangeAspect="1"/>
+          </p:cNvPicPr>
+          <p:nvPr>
+            <p:ph idx="1"/>
+          </p:nvPr>
+        </p:nvPicPr>
+        <p:blipFill>
+          <a:blip r:embed="rId2"/>
+          <a:stretch>
+            <a:fillRect/>
+          </a:stretch>
+        </p:blipFill>
+        <p:spPr>
+          <a:xfrm>
+            <a:off x="2290763" y="2197894"/>
+            <a:ext cx="6572250" cy="3905250"/>
+          </a:xfrm>
+          <a:prstGeom prst="rect">
+            <a:avLst/>
+          </a:prstGeom>
+        </p:spPr>
+      </p:pic>
     </p:spTree>
     <p:extLst>
       <p:ext uri="{BB962C8B-B14F-4D97-AF65-F5344CB8AC3E}">
-        <p14:creationId xmlns:p14="http://schemas.microsoft.com/office/powerpoint/2010/main" val="3230539721"/>
+        <p14:creationId xmlns:p14="http://schemas.microsoft.com/office/powerpoint/2010/main" val="3304536665"/>
       </p:ext>
     </p:extLst>
   </p:cSld>
@@ -6782,75 +6714,177 @@
       </p:grpSpPr>
       <p:sp>
         <p:nvSpPr>
-          <p:cNvPr id="2" name="Заголовок 1"/>
-          <p:cNvSpPr>
-            <a:spLocks noGrp="1"/>
-          </p:cNvSpPr>
-          <p:nvPr>
-            <p:ph type="title"/>
-          </p:nvPr>
-        </p:nvSpPr>
-        <p:spPr/>
+          <p:cNvPr id="3" name="Объект 2"/>
+          <p:cNvSpPr>
+            <a:spLocks noGrp="1"/>
+          </p:cNvSpPr>
+          <p:nvPr>
+            <p:ph idx="1"/>
+          </p:nvPr>
+        </p:nvSpPr>
+        <p:spPr>
+          <a:xfrm>
+            <a:off x="1138938" y="1019765"/>
+            <a:ext cx="8946541" cy="4195481"/>
+          </a:xfrm>
+        </p:spPr>
         <p:txBody>
           <a:bodyPr/>
           <a:lstStyle/>
           <a:p>
             <a:r>
-              <a:rPr lang="en-US" dirty="0" smtClean="0"/>
-              <a:t>UML </a:t>
-            </a:r>
-            <a:r>
-              <a:rPr lang="uk-UA" dirty="0" smtClean="0"/>
-              <a:t>Діаграма</a:t>
-            </a:r>
-            <a:br>
-              <a:rPr lang="uk-UA" dirty="0" smtClean="0"/>
-            </a:br>
+              <a:rPr lang="ru-RU" dirty="0"/>
+              <a:t>Клас </a:t>
+            </a:r>
+            <a:r>
+              <a:rPr lang="en-US" dirty="0"/>
+              <a:t>LuhnAlgorithm </a:t>
+            </a:r>
+            <a:r>
+              <a:rPr lang="uk-UA" dirty="0"/>
+              <a:t>містить код алгоритму для різних типів вхідних даних – числа, масив, рядок. </a:t>
+            </a:r>
+          </a:p>
+          <a:p>
+            <a:r>
+              <a:rPr lang="uk-UA" dirty="0"/>
+              <a:t>Клас </a:t>
+            </a:r>
+            <a:r>
+              <a:rPr lang="en-US" dirty="0"/>
+              <a:t>Console </a:t>
+            </a:r>
+            <a:r>
+              <a:rPr lang="uk-UA" dirty="0"/>
+              <a:t>описує методи вводу та виводу даних від/для користувача.</a:t>
+            </a:r>
+          </a:p>
+          <a:p>
+            <a:r>
+              <a:rPr lang="uk-UA" dirty="0"/>
+              <a:t>Створений клас </a:t>
+            </a:r>
+            <a:r>
+              <a:rPr lang="en-US" dirty="0"/>
+              <a:t>Runner </a:t>
+            </a:r>
+            <a:r>
+              <a:rPr lang="uk-UA" dirty="0"/>
+              <a:t>містить метод </a:t>
+            </a:r>
+            <a:r>
+              <a:rPr lang="en-US" dirty="0"/>
+              <a:t>main</a:t>
+            </a:r>
+            <a:r>
+              <a:rPr lang="ru-RU" dirty="0"/>
+              <a:t>(), де і викону</a:t>
+            </a:r>
+            <a:r>
+              <a:rPr lang="uk-UA" dirty="0"/>
+              <a:t>є</a:t>
+            </a:r>
+            <a:r>
+              <a:rPr lang="ru-RU" dirty="0"/>
+              <a:t>ться запуск нашої програми. Зв’язок класів </a:t>
+            </a:r>
+            <a:r>
+              <a:rPr lang="en-US" dirty="0"/>
+              <a:t>Runner</a:t>
+            </a:r>
+            <a:r>
+              <a:rPr lang="ru-RU" dirty="0"/>
+              <a:t> – </a:t>
+            </a:r>
+            <a:r>
+              <a:rPr lang="en-US" dirty="0"/>
+              <a:t>LuhnAlgorithm</a:t>
+            </a:r>
+            <a:r>
+              <a:rPr lang="uk-UA" dirty="0"/>
+              <a:t> та  </a:t>
+            </a:r>
+            <a:r>
+              <a:rPr lang="en-US" dirty="0"/>
+              <a:t>Runner</a:t>
+            </a:r>
+            <a:r>
+              <a:rPr lang="ru-RU" dirty="0"/>
+              <a:t> – </a:t>
+            </a:r>
+            <a:r>
+              <a:rPr lang="en-US" dirty="0"/>
+              <a:t>Console </a:t>
+            </a:r>
+            <a:r>
+              <a:rPr lang="uk-UA" dirty="0"/>
+              <a:t>відповідає типу Агрегація, що в даному випадку означає, що клас </a:t>
+            </a:r>
+            <a:r>
+              <a:rPr lang="en-US" dirty="0"/>
+              <a:t>Runner </a:t>
+            </a:r>
+            <a:r>
+              <a:rPr lang="ru-RU" dirty="0"/>
+              <a:t>“</a:t>
+            </a:r>
+            <a:r>
+              <a:rPr lang="en-US" dirty="0"/>
+              <a:t>has a</a:t>
+            </a:r>
+            <a:r>
+              <a:rPr lang="ru-RU" dirty="0"/>
+              <a:t>” методи класів  </a:t>
+            </a:r>
+            <a:r>
+              <a:rPr lang="en-US" dirty="0"/>
+              <a:t>LuhnAlgorithm</a:t>
+            </a:r>
+            <a:r>
+              <a:rPr lang="uk-UA" dirty="0"/>
+              <a:t> та </a:t>
+            </a:r>
+            <a:r>
+              <a:rPr lang="en-US" dirty="0"/>
+              <a:t>Console</a:t>
+            </a:r>
+            <a:r>
+              <a:rPr lang="uk-UA" dirty="0"/>
+              <a:t>.</a:t>
+            </a:r>
+          </a:p>
+          <a:p>
+            <a:r>
+              <a:rPr lang="uk-UA" dirty="0"/>
+              <a:t>Ну і, звичайно, клас </a:t>
+            </a:r>
+            <a:r>
+              <a:rPr lang="en-US" dirty="0"/>
+              <a:t>Runner </a:t>
+            </a:r>
+            <a:r>
+              <a:rPr lang="ru-RU" dirty="0"/>
+              <a:t>при запуску програми передбачає обробку певних виключних ситуацій, вказаних у класі </a:t>
+            </a:r>
+            <a:r>
+              <a:rPr lang="en-US" dirty="0"/>
+              <a:t>Exception</a:t>
+            </a:r>
+            <a:r>
+              <a:rPr lang="ru-RU" dirty="0"/>
+              <a:t>.</a:t>
+            </a:r>
             <a:endParaRPr lang="uk-UA" dirty="0"/>
           </a:p>
-        </p:txBody>
-      </p:sp>
-      <p:pic>
-        <p:nvPicPr>
-          <p:cNvPr id="4" name="Picture 1" descr="temp.png"/>
-          <p:cNvPicPr>
-            <a:picLocks noGrp="1"/>
-          </p:cNvPicPr>
-          <p:nvPr>
-            <p:ph idx="1"/>
-          </p:nvPr>
-        </p:nvPicPr>
-        <p:blipFill>
-          <a:blip r:embed="rId2">
-            <a:extLst>
-              <a:ext uri="{28A0092B-C50C-407E-A947-70E740481C1C}">
-                <a14:useLocalDpi xmlns:a14="http://schemas.microsoft.com/office/drawing/2010/main" val="0"/>
-              </a:ext>
-            </a:extLst>
-          </a:blip>
-          <a:srcRect/>
-          <a:stretch>
-            <a:fillRect/>
-          </a:stretch>
-        </p:blipFill>
-        <p:spPr bwMode="auto">
-          <a:xfrm>
-            <a:off x="2654787" y="1351992"/>
-            <a:ext cx="6999852" cy="5381316"/>
-          </a:xfrm>
-          <a:prstGeom prst="rect">
-            <a:avLst/>
-          </a:prstGeom>
-          <a:noFill/>
-          <a:ln>
-            <a:noFill/>
-          </a:ln>
-        </p:spPr>
-      </p:pic>
+          <a:p>
+            <a:endParaRPr lang="uk-UA" dirty="0"/>
+          </a:p>
+        </p:txBody>
+      </p:sp>
     </p:spTree>
     <p:extLst>
       <p:ext uri="{BB962C8B-B14F-4D97-AF65-F5344CB8AC3E}">
-        <p14:creationId xmlns:p14="http://schemas.microsoft.com/office/powerpoint/2010/main" val="3304536665"/>
+        <p14:creationId xmlns:p14="http://schemas.microsoft.com/office/powerpoint/2010/main" val="3183479601"/>
       </p:ext>
     </p:extLst>
   </p:cSld>
@@ -6886,6 +6920,41 @@
       </p:grpSpPr>
       <p:sp>
         <p:nvSpPr>
+          <p:cNvPr id="2" name="Заголовок 1"/>
+          <p:cNvSpPr>
+            <a:spLocks noGrp="1"/>
+          </p:cNvSpPr>
+          <p:nvPr>
+            <p:ph type="title"/>
+          </p:nvPr>
+        </p:nvSpPr>
+        <p:spPr/>
+        <p:txBody>
+          <a:bodyPr/>
+          <a:lstStyle/>
+          <a:p>
+            <a:pPr algn="ctr"/>
+            <a:r>
+              <a:rPr lang="ru-RU" i="1" dirty="0"/>
+              <a:t>Опис Алгоритму </a:t>
+            </a:r>
+            <a:r>
+              <a:rPr lang="ru-RU" i="1" dirty="0" smtClean="0"/>
+              <a:t>Луна</a:t>
+            </a:r>
+            <a:br>
+              <a:rPr lang="ru-RU" i="1" dirty="0" smtClean="0"/>
+            </a:br>
+            <a:r>
+              <a:rPr lang="ru-RU" i="1" dirty="0" smtClean="0"/>
+              <a:t>																				</a:t>
+            </a:r>
+            <a:endParaRPr lang="uk-UA" dirty="0"/>
+          </a:p>
+        </p:txBody>
+      </p:sp>
+      <p:sp>
+        <p:nvSpPr>
           <p:cNvPr id="3" name="Объект 2"/>
           <p:cNvSpPr>
             <a:spLocks noGrp="1"/>
@@ -6896,7 +6965,7 @@
         </p:nvSpPr>
         <p:spPr>
           <a:xfrm>
-            <a:off x="1138938" y="1019765"/>
+            <a:off x="1104293" y="1853248"/>
             <a:ext cx="8946541" cy="4195481"/>
           </a:xfrm>
         </p:spPr>
@@ -6904,279 +6973,118 @@
           <a:bodyPr/>
           <a:lstStyle/>
           <a:p>
-            <a:r>
-              <a:rPr lang="ru-RU" dirty="0" err="1"/>
-              <a:t>Клас</a:t>
-            </a:r>
+            <a:pPr marL="0" indent="0">
+              <a:buNone/>
+            </a:pPr>
             <a:r>
               <a:rPr lang="ru-RU" dirty="0"/>
-              <a:t> </a:t>
-            </a:r>
-            <a:r>
-              <a:rPr lang="en-US" dirty="0" err="1"/>
-              <a:t>LuhnAlgorithm</a:t>
+              <a:t>Наприклад, користувач ввів </a:t>
+            </a:r>
+            <a:r>
+              <a:rPr lang="ru-RU" dirty="0" smtClean="0"/>
+              <a:t>номер </a:t>
+            </a:r>
+            <a:r>
+              <a:rPr lang="ru-RU" dirty="0"/>
+              <a:t>карти:</a:t>
+            </a:r>
+            <a:endParaRPr lang="uk-UA" dirty="0"/>
+          </a:p>
+          <a:p>
+            <a:pPr marL="0" indent="0" algn="ctr">
+              <a:buNone/>
+            </a:pPr>
+            <a:r>
+              <a:rPr lang="ru-RU" b="1" dirty="0"/>
+              <a:t>4  5  6  1     2  6  1  2     1  2  3  4     5  4  6  4 </a:t>
+            </a:r>
+            <a:endParaRPr lang="uk-UA" b="1" dirty="0"/>
+          </a:p>
+          <a:p>
+            <a:pPr marL="0" indent="0">
+              <a:buNone/>
+            </a:pPr>
+            <a:r>
+              <a:rPr lang="ru-RU" dirty="0"/>
+              <a:t>Якщо кількість цифр парна(наш випадок), то виконується наступна </a:t>
+            </a:r>
+            <a:r>
+              <a:rPr lang="ru-RU" dirty="0" smtClean="0"/>
+              <a:t>перевірка, починаючи з першої цифри:</a:t>
+            </a:r>
+          </a:p>
+          <a:p>
+            <a:pPr marL="0" indent="0">
+              <a:buNone/>
+            </a:pPr>
+            <a:endParaRPr lang="uk-UA" dirty="0" smtClean="0"/>
+          </a:p>
+          <a:p>
+            <a:pPr marL="0" indent="0">
+              <a:buNone/>
+            </a:pPr>
+            <a:r>
+              <a:rPr lang="uk-UA" dirty="0"/>
+              <a:t>	</a:t>
+            </a:r>
+            <a:r>
+              <a:rPr lang="uk-UA" dirty="0" smtClean="0"/>
+              <a:t>Якщо </a:t>
             </a:r>
             <a:r>
               <a:rPr lang="en-US" dirty="0"/>
-              <a:t> </a:t>
+              <a:t>X</a:t>
+            </a:r>
+            <a:r>
+              <a:rPr lang="ru-RU" dirty="0"/>
+              <a:t>*2 &gt; 9</a:t>
             </a:r>
             <a:r>
               <a:rPr lang="uk-UA" dirty="0"/>
-              <a:t>містить код алгоритму для різних типів вхідних даних – числа, масив, рядок. </a:t>
-            </a:r>
-          </a:p>
-          <a:p>
+              <a:t>, то від результату віднімаємо 9 та записуємо новий результат на місце перевіряємої цифри , якщо умова не виконується, то записуємо результат </a:t>
+            </a:r>
+            <a:r>
+              <a:rPr lang="en-US" dirty="0"/>
+              <a:t>X</a:t>
+            </a:r>
+            <a:r>
+              <a:rPr lang="ru-RU" dirty="0"/>
+              <a:t>*2</a:t>
+            </a:r>
+            <a:r>
+              <a:rPr lang="ru-RU" dirty="0" smtClean="0"/>
+              <a:t>.</a:t>
+            </a:r>
+          </a:p>
+          <a:p>
+            <a:pPr marL="0" indent="0">
+              <a:buNone/>
+            </a:pPr>
+            <a:r>
+              <a:rPr lang="ru-RU" dirty="0"/>
+              <a:t>4  5  6  1     2  6  1  2     1  2  3  4     5  4  6  4 </a:t>
+            </a:r>
+            <a:endParaRPr lang="uk-UA" dirty="0"/>
+          </a:p>
+          <a:p>
+            <a:pPr marL="0" indent="0">
+              <a:buNone/>
+            </a:pPr>
             <a:r>
               <a:rPr lang="uk-UA" dirty="0"/>
-              <a:t>Клас </a:t>
-            </a:r>
-            <a:r>
-              <a:rPr lang="en-US" dirty="0"/>
-              <a:t>Console </a:t>
-            </a:r>
-            <a:r>
-              <a:rPr lang="uk-UA" dirty="0"/>
-              <a:t>описує методи вводу та виводу даних від/для користувача.</a:t>
-            </a:r>
-          </a:p>
-          <a:p>
-            <a:r>
-              <a:rPr lang="uk-UA" dirty="0"/>
-              <a:t>Створений клас </a:t>
-            </a:r>
-            <a:r>
-              <a:rPr lang="en-US" dirty="0"/>
-              <a:t>Runner </a:t>
-            </a:r>
-            <a:r>
-              <a:rPr lang="uk-UA" dirty="0"/>
-              <a:t>містить метод </a:t>
-            </a:r>
-            <a:r>
-              <a:rPr lang="en-US" dirty="0"/>
-              <a:t>main</a:t>
-            </a:r>
-            <a:r>
-              <a:rPr lang="ru-RU" dirty="0"/>
-              <a:t>(), де і </a:t>
-            </a:r>
-            <a:r>
-              <a:rPr lang="ru-RU" dirty="0" err="1"/>
-              <a:t>викону</a:t>
-            </a:r>
-            <a:r>
-              <a:rPr lang="uk-UA" dirty="0"/>
-              <a:t>є</a:t>
-            </a:r>
-            <a:r>
-              <a:rPr lang="ru-RU" dirty="0" err="1"/>
-              <a:t>ться</a:t>
-            </a:r>
-            <a:r>
-              <a:rPr lang="ru-RU" dirty="0"/>
-              <a:t> запуск </a:t>
-            </a:r>
-            <a:r>
-              <a:rPr lang="ru-RU" dirty="0" err="1"/>
-              <a:t>нашої</a:t>
-            </a:r>
-            <a:r>
-              <a:rPr lang="ru-RU" dirty="0"/>
-              <a:t> </a:t>
-            </a:r>
-            <a:r>
-              <a:rPr lang="ru-RU" dirty="0" err="1"/>
-              <a:t>програми</a:t>
-            </a:r>
-            <a:r>
-              <a:rPr lang="ru-RU" dirty="0"/>
-              <a:t>. </a:t>
-            </a:r>
-            <a:r>
-              <a:rPr lang="ru-RU" dirty="0" err="1"/>
-              <a:t>Зв’язок</a:t>
-            </a:r>
-            <a:r>
-              <a:rPr lang="ru-RU" dirty="0"/>
-              <a:t> </a:t>
-            </a:r>
-            <a:r>
-              <a:rPr lang="ru-RU" dirty="0" err="1"/>
-              <a:t>класів</a:t>
-            </a:r>
-            <a:r>
-              <a:rPr lang="ru-RU" dirty="0"/>
-              <a:t> </a:t>
-            </a:r>
-            <a:r>
-              <a:rPr lang="en-US" dirty="0"/>
-              <a:t>Runner</a:t>
-            </a:r>
-            <a:r>
-              <a:rPr lang="ru-RU" dirty="0"/>
-              <a:t> – </a:t>
-            </a:r>
-            <a:r>
-              <a:rPr lang="en-US" dirty="0" err="1"/>
-              <a:t>LuhnAlgorithm</a:t>
-            </a:r>
-            <a:r>
-              <a:rPr lang="uk-UA" dirty="0"/>
-              <a:t> та  </a:t>
-            </a:r>
-            <a:r>
-              <a:rPr lang="en-US" dirty="0"/>
-              <a:t>Runner</a:t>
-            </a:r>
-            <a:r>
-              <a:rPr lang="ru-RU" dirty="0"/>
-              <a:t> – </a:t>
-            </a:r>
-            <a:r>
-              <a:rPr lang="en-US" dirty="0"/>
-              <a:t>Console </a:t>
-            </a:r>
-            <a:r>
-              <a:rPr lang="uk-UA" dirty="0"/>
-              <a:t>відповідає типу Агрегація, що в даному випадку означає, що клас </a:t>
-            </a:r>
-            <a:r>
-              <a:rPr lang="en-US" dirty="0"/>
-              <a:t>Runner </a:t>
-            </a:r>
-            <a:r>
-              <a:rPr lang="ru-RU" dirty="0"/>
-              <a:t>“</a:t>
-            </a:r>
-            <a:r>
-              <a:rPr lang="en-US" dirty="0"/>
-              <a:t>has a</a:t>
-            </a:r>
-            <a:r>
-              <a:rPr lang="ru-RU" dirty="0"/>
-              <a:t>” </a:t>
-            </a:r>
-            <a:r>
-              <a:rPr lang="ru-RU" dirty="0" err="1"/>
-              <a:t>методи</a:t>
-            </a:r>
-            <a:r>
-              <a:rPr lang="ru-RU" dirty="0"/>
-              <a:t> </a:t>
-            </a:r>
-            <a:r>
-              <a:rPr lang="ru-RU" dirty="0" err="1"/>
-              <a:t>класів</a:t>
-            </a:r>
-            <a:r>
-              <a:rPr lang="ru-RU" dirty="0"/>
-              <a:t>  </a:t>
-            </a:r>
-            <a:r>
-              <a:rPr lang="en-US" dirty="0" err="1"/>
-              <a:t>LuhnAlgorithm</a:t>
-            </a:r>
-            <a:r>
-              <a:rPr lang="uk-UA" dirty="0"/>
-              <a:t> та </a:t>
-            </a:r>
-            <a:r>
-              <a:rPr lang="en-US" dirty="0"/>
-              <a:t>Console</a:t>
-            </a:r>
-            <a:r>
-              <a:rPr lang="uk-UA" dirty="0"/>
-              <a:t>.</a:t>
-            </a:r>
-          </a:p>
-          <a:p>
-            <a:r>
-              <a:rPr lang="uk-UA" dirty="0"/>
-              <a:t>Ну і, звичайно, клас </a:t>
-            </a:r>
-            <a:r>
-              <a:rPr lang="en-US" dirty="0"/>
-              <a:t>Runner </a:t>
-            </a:r>
-            <a:r>
-              <a:rPr lang="ru-RU" dirty="0"/>
-              <a:t>при запуску </a:t>
-            </a:r>
-            <a:r>
-              <a:rPr lang="ru-RU" dirty="0" err="1"/>
-              <a:t>програми</a:t>
-            </a:r>
-            <a:r>
-              <a:rPr lang="ru-RU" dirty="0"/>
-              <a:t> </a:t>
-            </a:r>
-            <a:r>
-              <a:rPr lang="ru-RU" dirty="0" err="1"/>
-              <a:t>передбачає</a:t>
-            </a:r>
-            <a:r>
-              <a:rPr lang="ru-RU" dirty="0"/>
-              <a:t> </a:t>
-            </a:r>
-            <a:r>
-              <a:rPr lang="ru-RU" dirty="0" err="1"/>
-              <a:t>обробку</a:t>
-            </a:r>
-            <a:r>
-              <a:rPr lang="ru-RU" dirty="0"/>
-              <a:t> </a:t>
-            </a:r>
-            <a:r>
-              <a:rPr lang="ru-RU" dirty="0" err="1"/>
-              <a:t>певних</a:t>
-            </a:r>
-            <a:r>
-              <a:rPr lang="ru-RU" dirty="0"/>
-              <a:t> </a:t>
-            </a:r>
-            <a:r>
-              <a:rPr lang="ru-RU" dirty="0" err="1"/>
-              <a:t>виключних</a:t>
-            </a:r>
-            <a:r>
-              <a:rPr lang="ru-RU" dirty="0"/>
-              <a:t> </a:t>
-            </a:r>
-            <a:r>
-              <a:rPr lang="ru-RU" dirty="0" err="1"/>
-              <a:t>ситуацій</a:t>
-            </a:r>
-            <a:r>
-              <a:rPr lang="ru-RU" dirty="0"/>
-              <a:t>, </a:t>
-            </a:r>
-            <a:r>
-              <a:rPr lang="ru-RU" dirty="0" err="1"/>
-              <a:t>вказаних</a:t>
-            </a:r>
-            <a:r>
-              <a:rPr lang="ru-RU" dirty="0"/>
-              <a:t> у </a:t>
-            </a:r>
-            <a:r>
-              <a:rPr lang="ru-RU" dirty="0" err="1"/>
-              <a:t>класі</a:t>
-            </a:r>
-            <a:r>
-              <a:rPr lang="ru-RU" dirty="0"/>
-              <a:t> </a:t>
-            </a:r>
-            <a:r>
-              <a:rPr lang="en-US" dirty="0"/>
-              <a:t>Exception</a:t>
-            </a:r>
-            <a:r>
-              <a:rPr lang="ru-RU" dirty="0"/>
-              <a:t>.</a:t>
-            </a:r>
+              <a:t>8      3         4      2         2      6         1      3</a:t>
+            </a:r>
+          </a:p>
+          <a:p>
+            <a:pPr marL="0" indent="0">
+              <a:buNone/>
+            </a:pPr>
             <a:endParaRPr lang="uk-UA" dirty="0"/>
           </a:p>
           <a:p>
+            <a:pPr marL="0" indent="0">
+              <a:buNone/>
+            </a:pPr>
             <a:endParaRPr lang="uk-UA" dirty="0"/>
           </a:p>
         </p:txBody>
@@ -7184,13 +7092,20 @@
     </p:spTree>
     <p:extLst>
       <p:ext uri="{BB962C8B-B14F-4D97-AF65-F5344CB8AC3E}">
-        <p14:creationId xmlns:p14="http://schemas.microsoft.com/office/powerpoint/2010/main" val="3183479601"/>
+        <p14:creationId xmlns:p14="http://schemas.microsoft.com/office/powerpoint/2010/main" val="2430430354"/>
       </p:ext>
     </p:extLst>
   </p:cSld>
   <p:clrMapOvr>
     <a:masterClrMapping/>
   </p:clrMapOvr>
+  <p:timing>
+    <p:tnLst>
+      <p:par>
+        <p:cTn id="1" dur="indefinite" restart="never" nodeType="tmRoot"/>
+      </p:par>
+    </p:tnLst>
+  </p:timing>
 </p:sld>
 </file>
 
@@ -7213,85 +7128,111 @@
       </p:grpSpPr>
       <p:sp>
         <p:nvSpPr>
-          <p:cNvPr id="2" name="Заголовок 1"/>
-          <p:cNvSpPr>
-            <a:spLocks noGrp="1"/>
-          </p:cNvSpPr>
-          <p:nvPr>
-            <p:ph type="title"/>
-          </p:nvPr>
-        </p:nvSpPr>
-        <p:spPr/>
+          <p:cNvPr id="3" name="Объект 2"/>
+          <p:cNvSpPr>
+            <a:spLocks noGrp="1"/>
+          </p:cNvSpPr>
+          <p:nvPr>
+            <p:ph idx="1"/>
+          </p:nvPr>
+        </p:nvSpPr>
+        <p:spPr>
+          <a:xfrm>
+            <a:off x="1150814" y="485375"/>
+            <a:ext cx="9394474" cy="5250407"/>
+          </a:xfrm>
+        </p:spPr>
         <p:txBody>
           <a:bodyPr/>
           <a:lstStyle/>
           <a:p>
-            <a:pPr algn="ctr"/>
-            <a:r>
-              <a:rPr lang="ru-RU" i="1" dirty="0" err="1"/>
-              <a:t>Опис</a:t>
-            </a:r>
-            <a:r>
-              <a:rPr lang="ru-RU" i="1" dirty="0"/>
-              <a:t> Алгоритму </a:t>
-            </a:r>
-            <a:r>
-              <a:rPr lang="ru-RU" i="1" dirty="0" smtClean="0"/>
-              <a:t>Луна</a:t>
-            </a:r>
-            <a:br>
-              <a:rPr lang="ru-RU" i="1" dirty="0" smtClean="0"/>
-            </a:br>
-            <a:r>
-              <a:rPr lang="ru-RU" i="1" dirty="0" smtClean="0"/>
-              <a:t>																				</a:t>
-            </a:r>
-            <a:endParaRPr lang="uk-UA" dirty="0"/>
-          </a:p>
-        </p:txBody>
-      </p:sp>
-      <p:sp>
-        <p:nvSpPr>
-          <p:cNvPr id="3" name="Объект 2"/>
-          <p:cNvSpPr>
-            <a:spLocks noGrp="1"/>
-          </p:cNvSpPr>
-          <p:nvPr>
-            <p:ph idx="1"/>
-          </p:nvPr>
-        </p:nvSpPr>
-        <p:spPr>
-          <a:xfrm>
-            <a:off x="1104293" y="1853248"/>
-            <a:ext cx="8946541" cy="4195481"/>
-          </a:xfrm>
-        </p:spPr>
-        <p:txBody>
-          <a:bodyPr/>
-          <a:lstStyle/>
-          <a:p>
             <a:pPr marL="0" indent="0">
               <a:buNone/>
             </a:pPr>
             <a:r>
-              <a:rPr lang="ru-RU" dirty="0" err="1"/>
-              <a:t>Наприклад</a:t>
-            </a:r>
+              <a:rPr lang="uk-UA" dirty="0"/>
+              <a:t>Далі номер має наступний вигляд:</a:t>
+            </a:r>
+          </a:p>
+          <a:p>
+            <a:pPr marL="0" indent="0">
+              <a:buNone/>
+            </a:pPr>
             <a:r>
               <a:rPr lang="ru-RU" dirty="0"/>
-              <a:t>, </a:t>
-            </a:r>
-            <a:r>
-              <a:rPr lang="ru-RU" dirty="0" err="1"/>
-              <a:t>користувач</a:t>
+              <a:t>8  5  3  1     4  6  2  2     2  2  6  4     1  4  3  </a:t>
+            </a:r>
+            <a:r>
+              <a:rPr lang="ru-RU" b="1" dirty="0">
+                <a:solidFill>
+                  <a:srgbClr val="FF0000"/>
+                </a:solidFill>
+              </a:rPr>
+              <a:t>4</a:t>
             </a:r>
             <a:r>
               <a:rPr lang="ru-RU" dirty="0"/>
               <a:t> </a:t>
             </a:r>
-            <a:r>
-              <a:rPr lang="ru-RU" dirty="0" err="1"/>
-              <a:t>ввів</a:t>
+            <a:endParaRPr lang="uk-UA" dirty="0"/>
+          </a:p>
+          <a:p>
+            <a:endParaRPr lang="uk-UA" dirty="0" smtClean="0"/>
+          </a:p>
+          <a:p>
+            <a:pPr marL="0" indent="0">
+              <a:buNone/>
+            </a:pPr>
+            <a:r>
+              <a:rPr lang="ru-RU" dirty="0"/>
+              <a:t>Потім необхідно скласти всі числа. Результат (тут 57) повинен бути кратним 10</a:t>
+            </a:r>
+            <a:r>
+              <a:rPr lang="ru-RU" dirty="0" smtClean="0"/>
+              <a:t>.</a:t>
+            </a:r>
+          </a:p>
+          <a:p>
+            <a:pPr marL="0" indent="0">
+              <a:buNone/>
+            </a:pPr>
+            <a:endParaRPr lang="ru-RU" dirty="0" smtClean="0"/>
+          </a:p>
+          <a:p>
+            <a:pPr marL="0" indent="0">
+              <a:buNone/>
+            </a:pPr>
+            <a:r>
+              <a:rPr lang="ru-RU" b="1" dirty="0"/>
+              <a:t>Отже даний номер карти не коректний.</a:t>
+            </a:r>
+            <a:endParaRPr lang="uk-UA" b="1" dirty="0"/>
+          </a:p>
+          <a:p>
+            <a:pPr marL="0" indent="0">
+              <a:buNone/>
+            </a:pPr>
+            <a:endParaRPr lang="uk-UA" dirty="0" smtClean="0"/>
+          </a:p>
+          <a:p>
+            <a:pPr marL="0" indent="0">
+              <a:buNone/>
+            </a:pPr>
+            <a:r>
+              <a:rPr lang="ru-RU" dirty="0"/>
+              <a:t>остання </a:t>
+            </a:r>
+            <a:r>
+              <a:rPr lang="ru-RU" dirty="0" smtClean="0"/>
+              <a:t>цифра </a:t>
+            </a:r>
+            <a:r>
+              <a:rPr lang="ru-RU" b="1" dirty="0">
+                <a:solidFill>
+                  <a:srgbClr val="FF0000"/>
+                </a:solidFill>
+              </a:rPr>
+              <a:t>4</a:t>
             </a:r>
             <a:r>
               <a:rPr lang="ru-RU" dirty="0"/>
@@ -7299,179 +7240,42 @@
             </a:r>
             <a:r>
               <a:rPr lang="ru-RU" dirty="0" smtClean="0"/>
-              <a:t>номер </a:t>
-            </a:r>
-            <a:r>
-              <a:rPr lang="ru-RU" dirty="0" err="1"/>
-              <a:t>карти</a:t>
+              <a:t>є </a:t>
             </a:r>
             <a:r>
               <a:rPr lang="ru-RU" dirty="0"/>
-              <a:t>:</a:t>
-            </a:r>
-            <a:endParaRPr lang="uk-UA" dirty="0"/>
-          </a:p>
-          <a:p>
-            <a:pPr marL="0" indent="0" algn="ctr">
+              <a:t>контрольною, так як </a:t>
+            </a:r>
+            <a:r>
+              <a:rPr lang="ru-RU" dirty="0" smtClean="0"/>
+              <a:t>є </a:t>
+            </a:r>
+            <a:r>
+              <a:rPr lang="ru-RU" dirty="0"/>
+              <a:t>результатом послідовності попередніх 15 цифр. </a:t>
+            </a:r>
+            <a:endParaRPr lang="ru-RU" dirty="0" smtClean="0"/>
+          </a:p>
+          <a:p>
+            <a:pPr marL="0" indent="0">
               <a:buNone/>
             </a:pPr>
             <a:r>
-              <a:rPr lang="ru-RU" b="1" dirty="0"/>
-              <a:t>4  5  6  1     2  6  1  2     1  2  3  4     5  4  6  4 </a:t>
-            </a:r>
-            <a:endParaRPr lang="uk-UA" b="1" dirty="0"/>
-          </a:p>
-          <a:p>
-            <a:pPr marL="0" indent="0">
-              <a:buNone/>
-            </a:pPr>
-            <a:r>
-              <a:rPr lang="ru-RU" dirty="0" err="1"/>
-              <a:t>Якщо</a:t>
-            </a:r>
-            <a:r>
               <a:rPr lang="ru-RU" dirty="0"/>
-              <a:t> </a:t>
-            </a:r>
-            <a:r>
-              <a:rPr lang="ru-RU" dirty="0" err="1"/>
-              <a:t>кількість</a:t>
+              <a:t>Якщо її змінити на </a:t>
+            </a:r>
+            <a:r>
+              <a:rPr lang="ru-RU" b="1" dirty="0">
+                <a:solidFill>
+                  <a:srgbClr val="FF0000"/>
+                </a:solidFill>
+              </a:rPr>
+              <a:t>7</a:t>
             </a:r>
             <a:r>
               <a:rPr lang="ru-RU" dirty="0"/>
-              <a:t> цифр парна(наш </a:t>
-            </a:r>
-            <a:r>
-              <a:rPr lang="ru-RU" dirty="0" err="1"/>
-              <a:t>випадок</a:t>
-            </a:r>
-            <a:r>
-              <a:rPr lang="ru-RU" dirty="0"/>
-              <a:t>), то </a:t>
-            </a:r>
-            <a:r>
-              <a:rPr lang="ru-RU" dirty="0" err="1"/>
-              <a:t>виконується</a:t>
-            </a:r>
-            <a:r>
-              <a:rPr lang="ru-RU" dirty="0"/>
-              <a:t> </a:t>
-            </a:r>
-            <a:r>
-              <a:rPr lang="ru-RU" dirty="0" err="1"/>
-              <a:t>наступна</a:t>
-            </a:r>
-            <a:r>
-              <a:rPr lang="ru-RU" dirty="0"/>
-              <a:t> </a:t>
-            </a:r>
-            <a:r>
-              <a:rPr lang="ru-RU" dirty="0" err="1" smtClean="0"/>
-              <a:t>перевірка</a:t>
-            </a:r>
-            <a:r>
-              <a:rPr lang="ru-RU" dirty="0" smtClean="0"/>
-              <a:t>, </a:t>
-            </a:r>
-            <a:r>
-              <a:rPr lang="ru-RU" dirty="0" err="1" smtClean="0"/>
-              <a:t>починаючи</a:t>
-            </a:r>
-            <a:r>
-              <a:rPr lang="ru-RU" dirty="0" smtClean="0"/>
-              <a:t> з </a:t>
-            </a:r>
-            <a:r>
-              <a:rPr lang="ru-RU" dirty="0" err="1" smtClean="0"/>
-              <a:t>першої</a:t>
-            </a:r>
-            <a:r>
-              <a:rPr lang="ru-RU" dirty="0" smtClean="0"/>
-              <a:t> </a:t>
-            </a:r>
-            <a:r>
-              <a:rPr lang="ru-RU" dirty="0" err="1" smtClean="0"/>
-              <a:t>цифри</a:t>
-            </a:r>
-            <a:r>
-              <a:rPr lang="ru-RU" dirty="0" smtClean="0"/>
-              <a:t>:</a:t>
-            </a:r>
-          </a:p>
-          <a:p>
-            <a:pPr marL="0" indent="0">
-              <a:buNone/>
-            </a:pPr>
-            <a:endParaRPr lang="uk-UA" dirty="0" smtClean="0"/>
-          </a:p>
-          <a:p>
-            <a:pPr marL="0" indent="0">
-              <a:buNone/>
-            </a:pPr>
-            <a:r>
-              <a:rPr lang="uk-UA" dirty="0"/>
-              <a:t>	</a:t>
-            </a:r>
-            <a:r>
-              <a:rPr lang="uk-UA" dirty="0" smtClean="0"/>
-              <a:t>Якщо </a:t>
-            </a:r>
-            <a:r>
-              <a:rPr lang="en-US" dirty="0"/>
-              <a:t>X</a:t>
-            </a:r>
-            <a:r>
-              <a:rPr lang="ru-RU" dirty="0"/>
-              <a:t>*2 &gt; 9</a:t>
-            </a:r>
-            <a:r>
-              <a:rPr lang="uk-UA" dirty="0"/>
-              <a:t>, то від результату віднімаємо 9 та записуємо новий результат на місце </a:t>
-            </a:r>
-            <a:r>
-              <a:rPr lang="uk-UA" dirty="0" err="1"/>
-              <a:t>перевіряємої</a:t>
-            </a:r>
-            <a:r>
-              <a:rPr lang="uk-UA" dirty="0"/>
-              <a:t> цифри , якщо умова не виконується, то записуємо результат </a:t>
-            </a:r>
-            <a:r>
-              <a:rPr lang="en-US" dirty="0"/>
-              <a:t>X</a:t>
-            </a:r>
-            <a:r>
-              <a:rPr lang="ru-RU" dirty="0"/>
-              <a:t>*2</a:t>
-            </a:r>
-            <a:r>
-              <a:rPr lang="ru-RU" dirty="0" smtClean="0"/>
-              <a:t>.</a:t>
-            </a:r>
-          </a:p>
-          <a:p>
-            <a:pPr marL="0" indent="0">
-              <a:buNone/>
-            </a:pPr>
-            <a:r>
-              <a:rPr lang="ru-RU" dirty="0"/>
-              <a:t>4  5  6  1     2  6  1  2     1  2  3  4     5  4  6  4 </a:t>
-            </a:r>
-            <a:endParaRPr lang="uk-UA" dirty="0"/>
-          </a:p>
-          <a:p>
-            <a:pPr marL="0" indent="0">
-              <a:buNone/>
-            </a:pPr>
-            <a:r>
-              <a:rPr lang="uk-UA" dirty="0"/>
-              <a:t>8      3         4      2         2      6         1      3</a:t>
-            </a:r>
-          </a:p>
-          <a:p>
-            <a:pPr marL="0" indent="0">
-              <a:buNone/>
-            </a:pPr>
+              <a:t>, то загальна сума буде 60, що буде відповідати критеріям алгоритму.</a:t>
+            </a:r>
             <a:endParaRPr lang="uk-UA" dirty="0"/>
           </a:p>
           <a:p>
@@ -7485,7 +7289,7 @@
     </p:spTree>
     <p:extLst>
       <p:ext uri="{BB962C8B-B14F-4D97-AF65-F5344CB8AC3E}">
-        <p14:creationId xmlns:p14="http://schemas.microsoft.com/office/powerpoint/2010/main" val="2430430354"/>
+        <p14:creationId xmlns:p14="http://schemas.microsoft.com/office/powerpoint/2010/main" val="1960676007"/>
       </p:ext>
     </p:extLst>
   </p:cSld>
@@ -7521,291 +7325,116 @@
       </p:grpSpPr>
       <p:sp>
         <p:nvSpPr>
-          <p:cNvPr id="3" name="Объект 2"/>
-          <p:cNvSpPr>
-            <a:spLocks noGrp="1"/>
-          </p:cNvSpPr>
-          <p:nvPr>
-            <p:ph idx="1"/>
-          </p:nvPr>
-        </p:nvSpPr>
-        <p:spPr>
-          <a:xfrm>
-            <a:off x="1150814" y="485375"/>
-            <a:ext cx="9394474" cy="5250407"/>
-          </a:xfrm>
-        </p:spPr>
+          <p:cNvPr id="2" name="Заголовок 1"/>
+          <p:cNvSpPr>
+            <a:spLocks noGrp="1"/>
+          </p:cNvSpPr>
+          <p:nvPr>
+            <p:ph type="title"/>
+          </p:nvPr>
+        </p:nvSpPr>
+        <p:spPr/>
         <p:txBody>
           <a:bodyPr/>
           <a:lstStyle/>
           <a:p>
-            <a:pPr marL="0" indent="0">
-              <a:buNone/>
-            </a:pPr>
             <a:r>
               <a:rPr lang="uk-UA" dirty="0"/>
-              <a:t>Далі номер має наступний вигляд:</a:t>
-            </a:r>
-          </a:p>
-          <a:p>
-            <a:pPr marL="0" indent="0">
-              <a:buNone/>
-            </a:pPr>
-            <a:r>
-              <a:rPr lang="ru-RU" dirty="0"/>
-              <a:t>8  5  3  1     4  6  2  2     2  2  6  4     1  4  3  </a:t>
-            </a:r>
-            <a:r>
-              <a:rPr lang="ru-RU" b="1" dirty="0">
-                <a:solidFill>
-                  <a:srgbClr val="FF0000"/>
-                </a:solidFill>
+              <a:t>Інформаційні ресурси</a:t>
+            </a:r>
+            <a:br>
+              <a:rPr lang="uk-UA" dirty="0"/>
+            </a:br>
+            <a:endParaRPr lang="uk-UA" dirty="0"/>
+          </a:p>
+        </p:txBody>
+      </p:sp>
+      <p:sp>
+        <p:nvSpPr>
+          <p:cNvPr id="3" name="Объект 2"/>
+          <p:cNvSpPr>
+            <a:spLocks noGrp="1"/>
+          </p:cNvSpPr>
+          <p:nvPr>
+            <p:ph idx="1"/>
+          </p:nvPr>
+        </p:nvSpPr>
+        <p:spPr/>
+        <p:txBody>
+          <a:bodyPr/>
+          <a:lstStyle/>
+          <a:p>
+            <a:r>
+              <a:rPr lang="en-US" b="1" dirty="0"/>
+              <a:t>Thinking in Java (4th Edition) </a:t>
+            </a:r>
+            <a:r>
+              <a:rPr lang="en-US" dirty="0"/>
+              <a:t>4th Edition</a:t>
+            </a:r>
+            <a:r>
+              <a:rPr lang="uk-UA" dirty="0"/>
+              <a:t> </a:t>
+            </a:r>
+            <a:r>
+              <a:rPr lang="en-US" dirty="0"/>
+              <a:t>by </a:t>
+            </a:r>
+            <a:r>
+              <a:rPr lang="en-US" u="sng" dirty="0">
+                <a:hlinkClick r:id="rId2"/>
               </a:rPr>
-              <a:t>4</a:t>
-            </a:r>
-            <a:r>
-              <a:rPr lang="ru-RU" dirty="0"/>
-              <a:t> </a:t>
-            </a:r>
-            <a:endParaRPr lang="uk-UA" dirty="0"/>
-          </a:p>
-          <a:p>
+              <a:t>Bruce </a:t>
+            </a:r>
+            <a:r>
+              <a:rPr lang="en-US" u="sng" dirty="0" err="1">
+                <a:hlinkClick r:id="rId2"/>
+              </a:rPr>
+              <a:t>Eckel</a:t>
+            </a:r>
+            <a:endParaRPr lang="en-US" b="1" dirty="0"/>
+          </a:p>
+          <a:p>
+            <a:pPr lvl="0"/>
+            <a:r>
+              <a:rPr lang="uk-UA" dirty="0" smtClean="0">
+                <a:hlinkClick r:id="rId3"/>
+              </a:rPr>
+              <a:t>U.S</a:t>
+            </a:r>
+            <a:r>
+              <a:rPr lang="uk-UA" dirty="0">
+                <a:hlinkClick r:id="rId3"/>
+              </a:rPr>
+              <a:t>. Patent 2 950 048</a:t>
+            </a:r>
+            <a:r>
+              <a:rPr lang="uk-UA" dirty="0"/>
+              <a:t> </a:t>
+            </a:r>
+            <a:r>
+              <a:rPr lang="uk-UA" i="1" dirty="0"/>
+              <a:t>Computer for Verifying Numbers</a:t>
+            </a:r>
+            <a:r>
+              <a:rPr lang="uk-UA" dirty="0"/>
+              <a:t>, Hans P. Luhn, August 23, 1960.</a:t>
+            </a:r>
+          </a:p>
+          <a:p>
+            <a:r>
+              <a:rPr lang="en-US" dirty="0">
+                <a:hlinkClick r:id="rId4"/>
+              </a:rPr>
+              <a:t>https://</a:t>
+            </a:r>
+            <a:r>
+              <a:rPr lang="en-US" dirty="0" smtClean="0">
+                <a:hlinkClick r:id="rId4"/>
+              </a:rPr>
+              <a:t>en.wikipedia.org/wiki/Luhn_algorithm</a:t>
+            </a:r>
             <a:endParaRPr lang="uk-UA" dirty="0" smtClean="0"/>
-          </a:p>
-          <a:p>
-            <a:pPr marL="0" indent="0">
-              <a:buNone/>
-            </a:pPr>
-            <a:r>
-              <a:rPr lang="ru-RU" dirty="0" err="1"/>
-              <a:t>Потім</a:t>
-            </a:r>
-            <a:r>
-              <a:rPr lang="ru-RU" dirty="0"/>
-              <a:t> </a:t>
-            </a:r>
-            <a:r>
-              <a:rPr lang="ru-RU" dirty="0" err="1"/>
-              <a:t>необхідно</a:t>
-            </a:r>
-            <a:r>
-              <a:rPr lang="ru-RU" dirty="0"/>
-              <a:t> </a:t>
-            </a:r>
-            <a:r>
-              <a:rPr lang="ru-RU" dirty="0" err="1"/>
-              <a:t>скласти</a:t>
-            </a:r>
-            <a:r>
-              <a:rPr lang="ru-RU" dirty="0"/>
-              <a:t> </a:t>
-            </a:r>
-            <a:r>
-              <a:rPr lang="ru-RU" dirty="0" err="1"/>
-              <a:t>всі</a:t>
-            </a:r>
-            <a:r>
-              <a:rPr lang="ru-RU" dirty="0"/>
-              <a:t> числа. Результат (тут 57) повинен бути </a:t>
-            </a:r>
-            <a:r>
-              <a:rPr lang="ru-RU" dirty="0" err="1"/>
-              <a:t>кратним</a:t>
-            </a:r>
-            <a:r>
-              <a:rPr lang="ru-RU" dirty="0"/>
-              <a:t> 10</a:t>
-            </a:r>
-            <a:r>
-              <a:rPr lang="ru-RU" dirty="0" smtClean="0"/>
-              <a:t>.</a:t>
-            </a:r>
-          </a:p>
-          <a:p>
-            <a:pPr marL="0" indent="0">
-              <a:buNone/>
-            </a:pPr>
-            <a:endParaRPr lang="ru-RU" dirty="0" smtClean="0"/>
-          </a:p>
-          <a:p>
-            <a:pPr marL="0" indent="0">
-              <a:buNone/>
-            </a:pPr>
-            <a:r>
-              <a:rPr lang="ru-RU" b="1" dirty="0" err="1"/>
-              <a:t>Отже</a:t>
-            </a:r>
-            <a:r>
-              <a:rPr lang="ru-RU" b="1" dirty="0"/>
-              <a:t> </a:t>
-            </a:r>
-            <a:r>
-              <a:rPr lang="ru-RU" b="1" dirty="0" err="1"/>
-              <a:t>даний</a:t>
-            </a:r>
-            <a:r>
-              <a:rPr lang="ru-RU" b="1" dirty="0"/>
-              <a:t> номер </a:t>
-            </a:r>
-            <a:r>
-              <a:rPr lang="ru-RU" b="1" dirty="0" err="1"/>
-              <a:t>карти</a:t>
-            </a:r>
-            <a:r>
-              <a:rPr lang="ru-RU" b="1" dirty="0"/>
-              <a:t> не </a:t>
-            </a:r>
-            <a:r>
-              <a:rPr lang="ru-RU" b="1" dirty="0" err="1"/>
-              <a:t>коректний</a:t>
-            </a:r>
-            <a:r>
-              <a:rPr lang="ru-RU" b="1" dirty="0"/>
-              <a:t>.</a:t>
-            </a:r>
-            <a:endParaRPr lang="uk-UA" b="1" dirty="0"/>
-          </a:p>
-          <a:p>
-            <a:pPr marL="0" indent="0">
-              <a:buNone/>
-            </a:pPr>
-            <a:endParaRPr lang="uk-UA" dirty="0" smtClean="0"/>
-          </a:p>
-          <a:p>
-            <a:pPr marL="0" indent="0">
-              <a:buNone/>
-            </a:pPr>
-            <a:r>
-              <a:rPr lang="ru-RU" dirty="0" err="1"/>
-              <a:t>остання</a:t>
-            </a:r>
-            <a:r>
-              <a:rPr lang="ru-RU" dirty="0"/>
-              <a:t> </a:t>
-            </a:r>
-            <a:r>
-              <a:rPr lang="ru-RU" dirty="0" smtClean="0"/>
-              <a:t>цифра </a:t>
-            </a:r>
-            <a:r>
-              <a:rPr lang="ru-RU" b="1" dirty="0">
-                <a:solidFill>
-                  <a:srgbClr val="FF0000"/>
-                </a:solidFill>
-              </a:rPr>
-              <a:t>4</a:t>
-            </a:r>
-            <a:r>
-              <a:rPr lang="ru-RU" dirty="0"/>
-              <a:t> </a:t>
-            </a:r>
-            <a:r>
-              <a:rPr lang="ru-RU" dirty="0" smtClean="0"/>
-              <a:t>є </a:t>
-            </a:r>
-            <a:r>
-              <a:rPr lang="ru-RU" dirty="0"/>
-              <a:t>контрольною, так як </a:t>
-            </a:r>
-            <a:r>
-              <a:rPr lang="ru-RU" dirty="0" smtClean="0"/>
-              <a:t>є </a:t>
-            </a:r>
-            <a:r>
-              <a:rPr lang="ru-RU" dirty="0"/>
-              <a:t>результатом </a:t>
-            </a:r>
-            <a:r>
-              <a:rPr lang="ru-RU" dirty="0" err="1"/>
-              <a:t>послідовності</a:t>
-            </a:r>
-            <a:r>
-              <a:rPr lang="ru-RU" dirty="0"/>
-              <a:t> </a:t>
-            </a:r>
-            <a:r>
-              <a:rPr lang="ru-RU" dirty="0" err="1"/>
-              <a:t>попередніх</a:t>
-            </a:r>
-            <a:r>
-              <a:rPr lang="ru-RU" dirty="0"/>
-              <a:t> 15 цифр. </a:t>
-            </a:r>
-            <a:endParaRPr lang="ru-RU" dirty="0" smtClean="0"/>
-          </a:p>
-          <a:p>
-            <a:pPr marL="0" indent="0">
-              <a:buNone/>
-            </a:pPr>
-            <a:r>
-              <a:rPr lang="ru-RU" dirty="0" err="1"/>
-              <a:t>Якщо</a:t>
-            </a:r>
-            <a:r>
-              <a:rPr lang="ru-RU" dirty="0"/>
-              <a:t> </a:t>
-            </a:r>
-            <a:r>
-              <a:rPr lang="ru-RU" dirty="0" err="1"/>
-              <a:t>її</a:t>
-            </a:r>
-            <a:r>
-              <a:rPr lang="ru-RU" dirty="0"/>
-              <a:t> </a:t>
-            </a:r>
-            <a:r>
-              <a:rPr lang="ru-RU" dirty="0" err="1"/>
-              <a:t>змінити</a:t>
-            </a:r>
-            <a:r>
-              <a:rPr lang="ru-RU" dirty="0"/>
-              <a:t> на </a:t>
-            </a:r>
-            <a:r>
-              <a:rPr lang="ru-RU" b="1" dirty="0">
-                <a:solidFill>
-                  <a:srgbClr val="FF0000"/>
-                </a:solidFill>
-              </a:rPr>
-              <a:t>7</a:t>
-            </a:r>
-            <a:r>
-              <a:rPr lang="ru-RU" dirty="0"/>
-              <a:t>, то </a:t>
-            </a:r>
-            <a:r>
-              <a:rPr lang="ru-RU" dirty="0" err="1"/>
-              <a:t>загальна</a:t>
-            </a:r>
-            <a:r>
-              <a:rPr lang="ru-RU" dirty="0"/>
-              <a:t> сума буде 60, </a:t>
-            </a:r>
-            <a:r>
-              <a:rPr lang="ru-RU" dirty="0" err="1"/>
-              <a:t>що</a:t>
-            </a:r>
-            <a:r>
-              <a:rPr lang="ru-RU" dirty="0"/>
-              <a:t> буде </a:t>
-            </a:r>
-            <a:r>
-              <a:rPr lang="ru-RU" dirty="0" err="1"/>
-              <a:t>відповідати</a:t>
-            </a:r>
-            <a:r>
-              <a:rPr lang="ru-RU" dirty="0"/>
-              <a:t> </a:t>
-            </a:r>
-            <a:r>
-              <a:rPr lang="ru-RU" dirty="0" err="1"/>
-              <a:t>критеріям</a:t>
-            </a:r>
-            <a:r>
-              <a:rPr lang="ru-RU" dirty="0"/>
-              <a:t> алгоритму.</a:t>
-            </a:r>
-            <a:endParaRPr lang="uk-UA" dirty="0"/>
           </a:p>
           <a:p>
             <a:pPr marL="0" indent="0">
@@ -7818,13 +7447,20 @@
     </p:spTree>
     <p:extLst>
       <p:ext uri="{BB962C8B-B14F-4D97-AF65-F5344CB8AC3E}">
-        <p14:creationId xmlns:p14="http://schemas.microsoft.com/office/powerpoint/2010/main" val="1960676007"/>
+        <p14:creationId xmlns:p14="http://schemas.microsoft.com/office/powerpoint/2010/main" val="1939971172"/>
       </p:ext>
     </p:extLst>
   </p:cSld>
   <p:clrMapOvr>
     <a:masterClrMapping/>
   </p:clrMapOvr>
+  <p:timing>
+    <p:tnLst>
+      <p:par>
+        <p:cTn id="1" dur="indefinite" restart="never" nodeType="tmRoot"/>
+      </p:par>
+    </p:tnLst>
+  </p:timing>
 </p:sld>
 </file>
 
